--- a/Pass_To_Class.pptx
+++ b/Pass_To_Class.pptx
@@ -3509,7 +3509,7 @@
         </p:nvSpPr>
         <p:spPr>
           <a:xfrm>
-            <a:off x="1673762" y="4154537"/>
+            <a:off x="1673762" y="4202665"/>
             <a:ext cx="2284627" cy="477620"/>
           </a:xfrm>
           <a:prstGeom prst="flowChartPredefinedProcess">
@@ -3576,7 +3576,98 @@
         <p:spPr>
           <a:xfrm flipH="1">
             <a:off x="2816076" y="3986313"/>
-            <a:ext cx="5330" cy="168224"/>
+            <a:ext cx="5330" cy="216352"/>
+          </a:xfrm>
+          <a:prstGeom prst="straightConnector1">
+            <a:avLst/>
+          </a:prstGeom>
+          <a:ln>
+            <a:tailEnd type="triangle"/>
+          </a:ln>
+        </p:spPr>
+        <p:style>
+          <a:lnRef idx="1">
+            <a:schemeClr val="accent1"/>
+          </a:lnRef>
+          <a:fillRef idx="0">
+            <a:schemeClr val="accent1"/>
+          </a:fillRef>
+          <a:effectRef idx="0">
+            <a:schemeClr val="accent1"/>
+          </a:effectRef>
+          <a:fontRef idx="minor">
+            <a:schemeClr val="tx1"/>
+          </a:fontRef>
+        </p:style>
+      </p:cxnSp>
+      <p:sp>
+        <p:nvSpPr>
+          <p:cNvPr id="36" name="Oval 35"/>
+          <p:cNvSpPr/>
+          <p:nvPr/>
+        </p:nvSpPr>
+        <p:spPr>
+          <a:xfrm>
+            <a:off x="2362493" y="4920698"/>
+            <a:ext cx="917670" cy="320877"/>
+          </a:xfrm>
+          <a:prstGeom prst="ellipse">
+            <a:avLst/>
+          </a:prstGeom>
+          <a:solidFill>
+            <a:schemeClr val="bg1"/>
+          </a:solidFill>
+        </p:spPr>
+        <p:style>
+          <a:lnRef idx="2">
+            <a:schemeClr val="accent1">
+              <a:shade val="50000"/>
+            </a:schemeClr>
+          </a:lnRef>
+          <a:fillRef idx="1">
+            <a:schemeClr val="accent1"/>
+          </a:fillRef>
+          <a:effectRef idx="0">
+            <a:schemeClr val="accent1"/>
+          </a:effectRef>
+          <a:fontRef idx="minor">
+            <a:schemeClr val="lt1"/>
+          </a:fontRef>
+        </p:style>
+        <p:txBody>
+          <a:bodyPr rtlCol="0" anchor="ctr"/>
+          <a:lstStyle/>
+          <a:p>
+            <a:pPr algn="ctr"/>
+            <a:r>
+              <a:rPr lang="en-US" sz="1000" smtClean="0">
+                <a:solidFill>
+                  <a:schemeClr val="tx1"/>
+                </a:solidFill>
+              </a:rPr>
+              <a:t>End</a:t>
+            </a:r>
+            <a:endParaRPr lang="en-US" sz="1000" dirty="0">
+              <a:solidFill>
+                <a:schemeClr val="tx1"/>
+              </a:solidFill>
+            </a:endParaRPr>
+          </a:p>
+        </p:txBody>
+      </p:sp>
+      <p:cxnSp>
+        <p:nvCxnSpPr>
+          <p:cNvPr id="39" name="Straight Arrow Connector 38"/>
+          <p:cNvCxnSpPr>
+            <a:stCxn id="28" idx="2"/>
+            <a:endCxn id="36" idx="0"/>
+          </p:cNvCxnSpPr>
+          <p:nvPr/>
+        </p:nvCxnSpPr>
+        <p:spPr>
+          <a:xfrm>
+            <a:off x="2816076" y="4680285"/>
+            <a:ext cx="5252" cy="240413"/>
           </a:xfrm>
           <a:prstGeom prst="straightConnector1">
             <a:avLst/>
